--- a/タカラーンの基地 新UI.pptx
+++ b/タカラーンの基地 新UI.pptx
@@ -133,6 +133,67 @@
 </p:cmAuthorLst>
 </file>
 
+<file path=ppt/changesInfos/changesInfo1.xml><?xml version="1.0" encoding="utf-8"?>
+<pc:chgInfo xmlns:a="http://schemas.openxmlformats.org/drawingml/2006/main" xmlns:r="http://schemas.openxmlformats.org/officeDocument/2006/relationships" xmlns:ac="http://schemas.microsoft.com/office/drawing/2013/main/command" xmlns:pc="http://schemas.microsoft.com/office/powerpoint/2013/main/command">
+  <pc:docChgLst>
+    <pc:chgData name="takara2314 TK" userId="9da753114fb91313" providerId="LiveId" clId="{0D590E9E-C65D-4E00-AD6E-AD6BB7C4318A}"/>
+    <pc:docChg chg="modSld">
+      <pc:chgData name="takara2314 TK" userId="9da753114fb91313" providerId="LiveId" clId="{0D590E9E-C65D-4E00-AD6E-AD6BB7C4318A}" dt="2020-06-18T13:53:39.115" v="4" actId="14861"/>
+      <pc:docMkLst>
+        <pc:docMk/>
+      </pc:docMkLst>
+      <pc:sldChg chg="modSp">
+        <pc:chgData name="takara2314 TK" userId="9da753114fb91313" providerId="LiveId" clId="{0D590E9E-C65D-4E00-AD6E-AD6BB7C4318A}" dt="2020-06-18T13:53:39.115" v="4" actId="14861"/>
+        <pc:sldMkLst>
+          <pc:docMk/>
+          <pc:sldMk cId="1915560715" sldId="262"/>
+        </pc:sldMkLst>
+        <pc:spChg chg="mod">
+          <ac:chgData name="takara2314 TK" userId="9da753114fb91313" providerId="LiveId" clId="{0D590E9E-C65D-4E00-AD6E-AD6BB7C4318A}" dt="2020-06-18T13:53:22.018" v="0" actId="14861"/>
+          <ac:spMkLst>
+            <pc:docMk/>
+            <pc:sldMk cId="1915560715" sldId="262"/>
+            <ac:spMk id="6" creationId="{710D6852-16B8-4B95-A64A-CC3E1EAA7B21}"/>
+          </ac:spMkLst>
+        </pc:spChg>
+        <pc:spChg chg="mod">
+          <ac:chgData name="takara2314 TK" userId="9da753114fb91313" providerId="LiveId" clId="{0D590E9E-C65D-4E00-AD6E-AD6BB7C4318A}" dt="2020-06-18T13:53:27.223" v="1" actId="14861"/>
+          <ac:spMkLst>
+            <pc:docMk/>
+            <pc:sldMk cId="1915560715" sldId="262"/>
+            <ac:spMk id="16" creationId="{6DF5EA76-017D-4C4C-9C48-EC60DAA95D4C}"/>
+          </ac:spMkLst>
+        </pc:spChg>
+        <pc:spChg chg="mod">
+          <ac:chgData name="takara2314 TK" userId="9da753114fb91313" providerId="LiveId" clId="{0D590E9E-C65D-4E00-AD6E-AD6BB7C4318A}" dt="2020-06-18T13:53:30.954" v="2" actId="14861"/>
+          <ac:spMkLst>
+            <pc:docMk/>
+            <pc:sldMk cId="1915560715" sldId="262"/>
+            <ac:spMk id="17" creationId="{CA24EBDE-50FC-4604-9AAA-B8DBBEF26189}"/>
+          </ac:spMkLst>
+        </pc:spChg>
+        <pc:spChg chg="mod">
+          <ac:chgData name="takara2314 TK" userId="9da753114fb91313" providerId="LiveId" clId="{0D590E9E-C65D-4E00-AD6E-AD6BB7C4318A}" dt="2020-06-18T13:53:34.579" v="3" actId="14861"/>
+          <ac:spMkLst>
+            <pc:docMk/>
+            <pc:sldMk cId="1915560715" sldId="262"/>
+            <ac:spMk id="18" creationId="{F66D1DDE-8E44-42B9-8D63-54BDE8600674}"/>
+          </ac:spMkLst>
+        </pc:spChg>
+        <pc:spChg chg="mod">
+          <ac:chgData name="takara2314 TK" userId="9da753114fb91313" providerId="LiveId" clId="{0D590E9E-C65D-4E00-AD6E-AD6BB7C4318A}" dt="2020-06-18T13:53:39.115" v="4" actId="14861"/>
+          <ac:spMkLst>
+            <pc:docMk/>
+            <pc:sldMk cId="1915560715" sldId="262"/>
+            <ac:spMk id="19" creationId="{A3D7A019-A01C-4689-9A9E-39C9758C1EAE}"/>
+          </ac:spMkLst>
+        </pc:spChg>
+      </pc:sldChg>
+    </pc:docChg>
+  </pc:docChgLst>
+</pc:chgInfo>
+</file>
+
 <file path=ppt/comments/comment1.xml><?xml version="1.0" encoding="utf-8"?>
 <p:cmLst xmlns:a="http://schemas.openxmlformats.org/drawingml/2006/main" xmlns:r="http://schemas.openxmlformats.org/officeDocument/2006/relationships" xmlns:p="http://schemas.openxmlformats.org/presentationml/2006/main">
   <p:cm authorId="1" dt="2020-06-17T21:23:34.690" idx="2">
@@ -243,7 +304,7 @@
           <a:p>
             <a:fld id="{FBB64CF6-9BBC-4D17-BD62-270488F87366}" type="datetimeFigureOut">
               <a:rPr kumimoji="1" lang="ja-JP" altLang="en-US" smtClean="0"/>
-              <a:t>2020/6/17</a:t>
+              <a:t>2020/6/18</a:t>
             </a:fld>
             <a:endParaRPr kumimoji="1" lang="ja-JP" altLang="en-US"/>
           </a:p>
@@ -689,7 +750,7 @@
           <a:p>
             <a:fld id="{651F9EEE-66B7-4A9E-A8FF-6204E299CD0D}" type="datetimeFigureOut">
               <a:rPr kumimoji="1" lang="ja-JP" altLang="en-US" smtClean="0"/>
-              <a:t>2020/6/17</a:t>
+              <a:t>2020/6/18</a:t>
             </a:fld>
             <a:endParaRPr kumimoji="1" lang="ja-JP" altLang="en-US"/>
           </a:p>
@@ -919,7 +980,7 @@
           <a:p>
             <a:fld id="{651F9EEE-66B7-4A9E-A8FF-6204E299CD0D}" type="datetimeFigureOut">
               <a:rPr kumimoji="1" lang="ja-JP" altLang="en-US" smtClean="0"/>
-              <a:t>2020/6/17</a:t>
+              <a:t>2020/6/18</a:t>
             </a:fld>
             <a:endParaRPr kumimoji="1" lang="ja-JP" altLang="en-US"/>
           </a:p>
@@ -1159,7 +1220,7 @@
           <a:p>
             <a:fld id="{651F9EEE-66B7-4A9E-A8FF-6204E299CD0D}" type="datetimeFigureOut">
               <a:rPr kumimoji="1" lang="ja-JP" altLang="en-US" smtClean="0"/>
-              <a:t>2020/6/17</a:t>
+              <a:t>2020/6/18</a:t>
             </a:fld>
             <a:endParaRPr kumimoji="1" lang="ja-JP" altLang="en-US"/>
           </a:p>
@@ -1389,7 +1450,7 @@
           <a:p>
             <a:fld id="{651F9EEE-66B7-4A9E-A8FF-6204E299CD0D}" type="datetimeFigureOut">
               <a:rPr kumimoji="1" lang="ja-JP" altLang="en-US" smtClean="0"/>
-              <a:t>2020/6/17</a:t>
+              <a:t>2020/6/18</a:t>
             </a:fld>
             <a:endParaRPr kumimoji="1" lang="ja-JP" altLang="en-US"/>
           </a:p>
@@ -1664,7 +1725,7 @@
           <a:p>
             <a:fld id="{651F9EEE-66B7-4A9E-A8FF-6204E299CD0D}" type="datetimeFigureOut">
               <a:rPr kumimoji="1" lang="ja-JP" altLang="en-US" smtClean="0"/>
-              <a:t>2020/6/17</a:t>
+              <a:t>2020/6/18</a:t>
             </a:fld>
             <a:endParaRPr kumimoji="1" lang="ja-JP" altLang="en-US"/>
           </a:p>
@@ -1993,7 +2054,7 @@
           <a:p>
             <a:fld id="{651F9EEE-66B7-4A9E-A8FF-6204E299CD0D}" type="datetimeFigureOut">
               <a:rPr kumimoji="1" lang="ja-JP" altLang="en-US" smtClean="0"/>
-              <a:t>2020/6/17</a:t>
+              <a:t>2020/6/18</a:t>
             </a:fld>
             <a:endParaRPr kumimoji="1" lang="ja-JP" altLang="en-US"/>
           </a:p>
@@ -2469,7 +2530,7 @@
           <a:p>
             <a:fld id="{651F9EEE-66B7-4A9E-A8FF-6204E299CD0D}" type="datetimeFigureOut">
               <a:rPr kumimoji="1" lang="ja-JP" altLang="en-US" smtClean="0"/>
-              <a:t>2020/6/17</a:t>
+              <a:t>2020/6/18</a:t>
             </a:fld>
             <a:endParaRPr kumimoji="1" lang="ja-JP" altLang="en-US"/>
           </a:p>
@@ -2610,7 +2671,7 @@
           <a:p>
             <a:fld id="{651F9EEE-66B7-4A9E-A8FF-6204E299CD0D}" type="datetimeFigureOut">
               <a:rPr kumimoji="1" lang="ja-JP" altLang="en-US" smtClean="0"/>
-              <a:t>2020/6/17</a:t>
+              <a:t>2020/6/18</a:t>
             </a:fld>
             <a:endParaRPr kumimoji="1" lang="ja-JP" altLang="en-US"/>
           </a:p>
@@ -2723,7 +2784,7 @@
           <a:p>
             <a:fld id="{651F9EEE-66B7-4A9E-A8FF-6204E299CD0D}" type="datetimeFigureOut">
               <a:rPr kumimoji="1" lang="ja-JP" altLang="en-US" smtClean="0"/>
-              <a:t>2020/6/17</a:t>
+              <a:t>2020/6/18</a:t>
             </a:fld>
             <a:endParaRPr kumimoji="1" lang="ja-JP" altLang="en-US"/>
           </a:p>
@@ -3066,7 +3127,7 @@
           <a:p>
             <a:fld id="{651F9EEE-66B7-4A9E-A8FF-6204E299CD0D}" type="datetimeFigureOut">
               <a:rPr kumimoji="1" lang="ja-JP" altLang="en-US" smtClean="0"/>
-              <a:t>2020/6/17</a:t>
+              <a:t>2020/6/18</a:t>
             </a:fld>
             <a:endParaRPr kumimoji="1" lang="ja-JP" altLang="en-US"/>
           </a:p>
@@ -3354,7 +3415,7 @@
           <a:p>
             <a:fld id="{651F9EEE-66B7-4A9E-A8FF-6204E299CD0D}" type="datetimeFigureOut">
               <a:rPr kumimoji="1" lang="ja-JP" altLang="en-US" smtClean="0"/>
-              <a:t>2020/6/17</a:t>
+              <a:t>2020/6/18</a:t>
             </a:fld>
             <a:endParaRPr kumimoji="1" lang="ja-JP" altLang="en-US"/>
           </a:p>
@@ -3627,7 +3688,7 @@
           <a:p>
             <a:fld id="{651F9EEE-66B7-4A9E-A8FF-6204E299CD0D}" type="datetimeFigureOut">
               <a:rPr kumimoji="1" lang="ja-JP" altLang="en-US" smtClean="0"/>
-              <a:t>2020/6/17</a:t>
+              <a:t>2020/6/18</a:t>
             </a:fld>
             <a:endParaRPr kumimoji="1" lang="ja-JP" altLang="en-US"/>
           </a:p>
@@ -10492,6 +10553,13 @@
           <a:solidFill>
             <a:schemeClr val="bg1"/>
           </a:solidFill>
+          <a:effectLst>
+            <a:outerShdw blurRad="50800" dist="38100" dir="2700000" algn="tl" rotWithShape="0">
+              <a:prstClr val="black">
+                <a:alpha val="40000"/>
+              </a:prstClr>
+            </a:outerShdw>
+          </a:effectLst>
         </p:spPr>
         <p:txBody>
           <a:bodyPr wrap="square" rtlCol="0">
@@ -10567,6 +10635,13 @@
           <a:solidFill>
             <a:schemeClr val="bg1"/>
           </a:solidFill>
+          <a:effectLst>
+            <a:outerShdw blurRad="50800" dist="38100" dir="2700000" algn="tl" rotWithShape="0">
+              <a:prstClr val="black">
+                <a:alpha val="40000"/>
+              </a:prstClr>
+            </a:outerShdw>
+          </a:effectLst>
         </p:spPr>
         <p:txBody>
           <a:bodyPr wrap="square" rtlCol="0">
@@ -10642,6 +10717,13 @@
           <a:solidFill>
             <a:schemeClr val="bg1"/>
           </a:solidFill>
+          <a:effectLst>
+            <a:outerShdw blurRad="50800" dist="38100" dir="2700000" algn="tl" rotWithShape="0">
+              <a:prstClr val="black">
+                <a:alpha val="40000"/>
+              </a:prstClr>
+            </a:outerShdw>
+          </a:effectLst>
         </p:spPr>
         <p:txBody>
           <a:bodyPr wrap="square" rtlCol="0">
@@ -10717,6 +10799,13 @@
           <a:solidFill>
             <a:schemeClr val="bg1"/>
           </a:solidFill>
+          <a:effectLst>
+            <a:outerShdw blurRad="50800" dist="38100" dir="2700000" algn="tl" rotWithShape="0">
+              <a:prstClr val="black">
+                <a:alpha val="40000"/>
+              </a:prstClr>
+            </a:outerShdw>
+          </a:effectLst>
         </p:spPr>
         <p:txBody>
           <a:bodyPr wrap="square" rtlCol="0">
@@ -10768,6 +10857,13 @@
           <a:solidFill>
             <a:schemeClr val="bg1"/>
           </a:solidFill>
+          <a:effectLst>
+            <a:outerShdw blurRad="50800" dist="38100" dir="2700000" algn="tl" rotWithShape="0">
+              <a:prstClr val="black">
+                <a:alpha val="40000"/>
+              </a:prstClr>
+            </a:outerShdw>
+          </a:effectLst>
         </p:spPr>
         <p:txBody>
           <a:bodyPr wrap="square" rtlCol="0">

--- a/タカラーンの基地 新UI.pptx
+++ b/タカラーンの基地 新UI.pptx
@@ -138,10 +138,25 @@
   <pc:docChgLst>
     <pc:chgData name="takara2314 TK" userId="9da753114fb91313" providerId="LiveId" clId="{0D590E9E-C65D-4E00-AD6E-AD6BB7C4318A}"/>
     <pc:docChg chg="modSld">
-      <pc:chgData name="takara2314 TK" userId="9da753114fb91313" providerId="LiveId" clId="{0D590E9E-C65D-4E00-AD6E-AD6BB7C4318A}" dt="2020-06-18T13:53:39.115" v="4" actId="14861"/>
+      <pc:chgData name="takara2314 TK" userId="9da753114fb91313" providerId="LiveId" clId="{0D590E9E-C65D-4E00-AD6E-AD6BB7C4318A}" dt="2020-06-21T03:17:30.246" v="7" actId="1037"/>
       <pc:docMkLst>
         <pc:docMk/>
       </pc:docMkLst>
+      <pc:sldChg chg="modSp">
+        <pc:chgData name="takara2314 TK" userId="9da753114fb91313" providerId="LiveId" clId="{0D590E9E-C65D-4E00-AD6E-AD6BB7C4318A}" dt="2020-06-21T03:17:30.246" v="7" actId="1037"/>
+        <pc:sldMkLst>
+          <pc:docMk/>
+          <pc:sldMk cId="2676453489" sldId="260"/>
+        </pc:sldMkLst>
+        <pc:picChg chg="mod">
+          <ac:chgData name="takara2314 TK" userId="9da753114fb91313" providerId="LiveId" clId="{0D590E9E-C65D-4E00-AD6E-AD6BB7C4318A}" dt="2020-06-21T03:17:30.246" v="7" actId="1037"/>
+          <ac:picMkLst>
+            <pc:docMk/>
+            <pc:sldMk cId="2676453489" sldId="260"/>
+            <ac:picMk id="32" creationId="{0D1BC36A-325E-426D-9F67-86E0760A55CF}"/>
+          </ac:picMkLst>
+        </pc:picChg>
+      </pc:sldChg>
       <pc:sldChg chg="modSp">
         <pc:chgData name="takara2314 TK" userId="9da753114fb91313" providerId="LiveId" clId="{0D590E9E-C65D-4E00-AD6E-AD6BB7C4318A}" dt="2020-06-18T13:53:39.115" v="4" actId="14861"/>
         <pc:sldMkLst>
@@ -304,7 +319,7 @@
           <a:p>
             <a:fld id="{FBB64CF6-9BBC-4D17-BD62-270488F87366}" type="datetimeFigureOut">
               <a:rPr kumimoji="1" lang="ja-JP" altLang="en-US" smtClean="0"/>
-              <a:t>2020/6/18</a:t>
+              <a:t>2020/6/20</a:t>
             </a:fld>
             <a:endParaRPr kumimoji="1" lang="ja-JP" altLang="en-US"/>
           </a:p>
@@ -750,7 +765,7 @@
           <a:p>
             <a:fld id="{651F9EEE-66B7-4A9E-A8FF-6204E299CD0D}" type="datetimeFigureOut">
               <a:rPr kumimoji="1" lang="ja-JP" altLang="en-US" smtClean="0"/>
-              <a:t>2020/6/18</a:t>
+              <a:t>2020/6/20</a:t>
             </a:fld>
             <a:endParaRPr kumimoji="1" lang="ja-JP" altLang="en-US"/>
           </a:p>
@@ -980,7 +995,7 @@
           <a:p>
             <a:fld id="{651F9EEE-66B7-4A9E-A8FF-6204E299CD0D}" type="datetimeFigureOut">
               <a:rPr kumimoji="1" lang="ja-JP" altLang="en-US" smtClean="0"/>
-              <a:t>2020/6/18</a:t>
+              <a:t>2020/6/20</a:t>
             </a:fld>
             <a:endParaRPr kumimoji="1" lang="ja-JP" altLang="en-US"/>
           </a:p>
@@ -1220,7 +1235,7 @@
           <a:p>
             <a:fld id="{651F9EEE-66B7-4A9E-A8FF-6204E299CD0D}" type="datetimeFigureOut">
               <a:rPr kumimoji="1" lang="ja-JP" altLang="en-US" smtClean="0"/>
-              <a:t>2020/6/18</a:t>
+              <a:t>2020/6/20</a:t>
             </a:fld>
             <a:endParaRPr kumimoji="1" lang="ja-JP" altLang="en-US"/>
           </a:p>
@@ -1450,7 +1465,7 @@
           <a:p>
             <a:fld id="{651F9EEE-66B7-4A9E-A8FF-6204E299CD0D}" type="datetimeFigureOut">
               <a:rPr kumimoji="1" lang="ja-JP" altLang="en-US" smtClean="0"/>
-              <a:t>2020/6/18</a:t>
+              <a:t>2020/6/20</a:t>
             </a:fld>
             <a:endParaRPr kumimoji="1" lang="ja-JP" altLang="en-US"/>
           </a:p>
@@ -1725,7 +1740,7 @@
           <a:p>
             <a:fld id="{651F9EEE-66B7-4A9E-A8FF-6204E299CD0D}" type="datetimeFigureOut">
               <a:rPr kumimoji="1" lang="ja-JP" altLang="en-US" smtClean="0"/>
-              <a:t>2020/6/18</a:t>
+              <a:t>2020/6/20</a:t>
             </a:fld>
             <a:endParaRPr kumimoji="1" lang="ja-JP" altLang="en-US"/>
           </a:p>
@@ -2054,7 +2069,7 @@
           <a:p>
             <a:fld id="{651F9EEE-66B7-4A9E-A8FF-6204E299CD0D}" type="datetimeFigureOut">
               <a:rPr kumimoji="1" lang="ja-JP" altLang="en-US" smtClean="0"/>
-              <a:t>2020/6/18</a:t>
+              <a:t>2020/6/20</a:t>
             </a:fld>
             <a:endParaRPr kumimoji="1" lang="ja-JP" altLang="en-US"/>
           </a:p>
@@ -2530,7 +2545,7 @@
           <a:p>
             <a:fld id="{651F9EEE-66B7-4A9E-A8FF-6204E299CD0D}" type="datetimeFigureOut">
               <a:rPr kumimoji="1" lang="ja-JP" altLang="en-US" smtClean="0"/>
-              <a:t>2020/6/18</a:t>
+              <a:t>2020/6/20</a:t>
             </a:fld>
             <a:endParaRPr kumimoji="1" lang="ja-JP" altLang="en-US"/>
           </a:p>
@@ -2671,7 +2686,7 @@
           <a:p>
             <a:fld id="{651F9EEE-66B7-4A9E-A8FF-6204E299CD0D}" type="datetimeFigureOut">
               <a:rPr kumimoji="1" lang="ja-JP" altLang="en-US" smtClean="0"/>
-              <a:t>2020/6/18</a:t>
+              <a:t>2020/6/20</a:t>
             </a:fld>
             <a:endParaRPr kumimoji="1" lang="ja-JP" altLang="en-US"/>
           </a:p>
@@ -2784,7 +2799,7 @@
           <a:p>
             <a:fld id="{651F9EEE-66B7-4A9E-A8FF-6204E299CD0D}" type="datetimeFigureOut">
               <a:rPr kumimoji="1" lang="ja-JP" altLang="en-US" smtClean="0"/>
-              <a:t>2020/6/18</a:t>
+              <a:t>2020/6/20</a:t>
             </a:fld>
             <a:endParaRPr kumimoji="1" lang="ja-JP" altLang="en-US"/>
           </a:p>
@@ -3127,7 +3142,7 @@
           <a:p>
             <a:fld id="{651F9EEE-66B7-4A9E-A8FF-6204E299CD0D}" type="datetimeFigureOut">
               <a:rPr kumimoji="1" lang="ja-JP" altLang="en-US" smtClean="0"/>
-              <a:t>2020/6/18</a:t>
+              <a:t>2020/6/20</a:t>
             </a:fld>
             <a:endParaRPr kumimoji="1" lang="ja-JP" altLang="en-US"/>
           </a:p>
@@ -3415,7 +3430,7 @@
           <a:p>
             <a:fld id="{651F9EEE-66B7-4A9E-A8FF-6204E299CD0D}" type="datetimeFigureOut">
               <a:rPr kumimoji="1" lang="ja-JP" altLang="en-US" smtClean="0"/>
-              <a:t>2020/6/18</a:t>
+              <a:t>2020/6/20</a:t>
             </a:fld>
             <a:endParaRPr kumimoji="1" lang="ja-JP" altLang="en-US"/>
           </a:p>
@@ -3688,7 +3703,7 @@
           <a:p>
             <a:fld id="{651F9EEE-66B7-4A9E-A8FF-6204E299CD0D}" type="datetimeFigureOut">
               <a:rPr kumimoji="1" lang="ja-JP" altLang="en-US" smtClean="0"/>
-              <a:t>2020/6/18</a:t>
+              <a:t>2020/6/20</a:t>
             </a:fld>
             <a:endParaRPr kumimoji="1" lang="ja-JP" altLang="en-US"/>
           </a:p>
@@ -8801,7 +8816,7 @@
         </p:blipFill>
         <p:spPr>
           <a:xfrm>
-            <a:off x="4758023" y="2389699"/>
+            <a:off x="4723733" y="2389699"/>
             <a:ext cx="914400" cy="914400"/>
           </a:xfrm>
           <a:prstGeom prst="rect">

--- a/タカラーンの基地 新UI.pptx
+++ b/タカラーンの基地 新UI.pptx
@@ -138,7 +138,7 @@
   <pc:docChgLst>
     <pc:chgData name="takara2314 TK" userId="9da753114fb91313" providerId="LiveId" clId="{0D590E9E-C65D-4E00-AD6E-AD6BB7C4318A}"/>
     <pc:docChg chg="modSld">
-      <pc:chgData name="takara2314 TK" userId="9da753114fb91313" providerId="LiveId" clId="{0D590E9E-C65D-4E00-AD6E-AD6BB7C4318A}" dt="2020-06-21T03:17:30.246" v="7" actId="1037"/>
+      <pc:chgData name="takara2314 TK" userId="9da753114fb91313" providerId="LiveId" clId="{0D590E9E-C65D-4E00-AD6E-AD6BB7C4318A}" dt="2020-06-25T14:20:34.866" v="8" actId="208"/>
       <pc:docMkLst>
         <pc:docMk/>
       </pc:docMkLst>
@@ -156,6 +156,21 @@
             <ac:picMk id="32" creationId="{0D1BC36A-325E-426D-9F67-86E0760A55CF}"/>
           </ac:picMkLst>
         </pc:picChg>
+      </pc:sldChg>
+      <pc:sldChg chg="modSp">
+        <pc:chgData name="takara2314 TK" userId="9da753114fb91313" providerId="LiveId" clId="{0D590E9E-C65D-4E00-AD6E-AD6BB7C4318A}" dt="2020-06-25T14:20:34.866" v="8" actId="208"/>
+        <pc:sldMkLst>
+          <pc:docMk/>
+          <pc:sldMk cId="3896390280" sldId="261"/>
+        </pc:sldMkLst>
+        <pc:spChg chg="mod">
+          <ac:chgData name="takara2314 TK" userId="9da753114fb91313" providerId="LiveId" clId="{0D590E9E-C65D-4E00-AD6E-AD6BB7C4318A}" dt="2020-06-25T14:20:34.866" v="8" actId="208"/>
+          <ac:spMkLst>
+            <pc:docMk/>
+            <pc:sldMk cId="3896390280" sldId="261"/>
+            <ac:spMk id="9" creationId="{05A3C300-86CA-4E40-9F97-058B51978EC2}"/>
+          </ac:spMkLst>
+        </pc:spChg>
       </pc:sldChg>
       <pc:sldChg chg="modSp">
         <pc:chgData name="takara2314 TK" userId="9da753114fb91313" providerId="LiveId" clId="{0D590E9E-C65D-4E00-AD6E-AD6BB7C4318A}" dt="2020-06-18T13:53:39.115" v="4" actId="14861"/>
@@ -319,7 +334,7 @@
           <a:p>
             <a:fld id="{FBB64CF6-9BBC-4D17-BD62-270488F87366}" type="datetimeFigureOut">
               <a:rPr kumimoji="1" lang="ja-JP" altLang="en-US" smtClean="0"/>
-              <a:t>2020/6/20</a:t>
+              <a:t>2020/6/25</a:t>
             </a:fld>
             <a:endParaRPr kumimoji="1" lang="ja-JP" altLang="en-US"/>
           </a:p>
@@ -765,7 +780,7 @@
           <a:p>
             <a:fld id="{651F9EEE-66B7-4A9E-A8FF-6204E299CD0D}" type="datetimeFigureOut">
               <a:rPr kumimoji="1" lang="ja-JP" altLang="en-US" smtClean="0"/>
-              <a:t>2020/6/20</a:t>
+              <a:t>2020/6/25</a:t>
             </a:fld>
             <a:endParaRPr kumimoji="1" lang="ja-JP" altLang="en-US"/>
           </a:p>
@@ -995,7 +1010,7 @@
           <a:p>
             <a:fld id="{651F9EEE-66B7-4A9E-A8FF-6204E299CD0D}" type="datetimeFigureOut">
               <a:rPr kumimoji="1" lang="ja-JP" altLang="en-US" smtClean="0"/>
-              <a:t>2020/6/20</a:t>
+              <a:t>2020/6/25</a:t>
             </a:fld>
             <a:endParaRPr kumimoji="1" lang="ja-JP" altLang="en-US"/>
           </a:p>
@@ -1235,7 +1250,7 @@
           <a:p>
             <a:fld id="{651F9EEE-66B7-4A9E-A8FF-6204E299CD0D}" type="datetimeFigureOut">
               <a:rPr kumimoji="1" lang="ja-JP" altLang="en-US" smtClean="0"/>
-              <a:t>2020/6/20</a:t>
+              <a:t>2020/6/25</a:t>
             </a:fld>
             <a:endParaRPr kumimoji="1" lang="ja-JP" altLang="en-US"/>
           </a:p>
@@ -1465,7 +1480,7 @@
           <a:p>
             <a:fld id="{651F9EEE-66B7-4A9E-A8FF-6204E299CD0D}" type="datetimeFigureOut">
               <a:rPr kumimoji="1" lang="ja-JP" altLang="en-US" smtClean="0"/>
-              <a:t>2020/6/20</a:t>
+              <a:t>2020/6/25</a:t>
             </a:fld>
             <a:endParaRPr kumimoji="1" lang="ja-JP" altLang="en-US"/>
           </a:p>
@@ -1740,7 +1755,7 @@
           <a:p>
             <a:fld id="{651F9EEE-66B7-4A9E-A8FF-6204E299CD0D}" type="datetimeFigureOut">
               <a:rPr kumimoji="1" lang="ja-JP" altLang="en-US" smtClean="0"/>
-              <a:t>2020/6/20</a:t>
+              <a:t>2020/6/25</a:t>
             </a:fld>
             <a:endParaRPr kumimoji="1" lang="ja-JP" altLang="en-US"/>
           </a:p>
@@ -2069,7 +2084,7 @@
           <a:p>
             <a:fld id="{651F9EEE-66B7-4A9E-A8FF-6204E299CD0D}" type="datetimeFigureOut">
               <a:rPr kumimoji="1" lang="ja-JP" altLang="en-US" smtClean="0"/>
-              <a:t>2020/6/20</a:t>
+              <a:t>2020/6/25</a:t>
             </a:fld>
             <a:endParaRPr kumimoji="1" lang="ja-JP" altLang="en-US"/>
           </a:p>
@@ -2545,7 +2560,7 @@
           <a:p>
             <a:fld id="{651F9EEE-66B7-4A9E-A8FF-6204E299CD0D}" type="datetimeFigureOut">
               <a:rPr kumimoji="1" lang="ja-JP" altLang="en-US" smtClean="0"/>
-              <a:t>2020/6/20</a:t>
+              <a:t>2020/6/25</a:t>
             </a:fld>
             <a:endParaRPr kumimoji="1" lang="ja-JP" altLang="en-US"/>
           </a:p>
@@ -2686,7 +2701,7 @@
           <a:p>
             <a:fld id="{651F9EEE-66B7-4A9E-A8FF-6204E299CD0D}" type="datetimeFigureOut">
               <a:rPr kumimoji="1" lang="ja-JP" altLang="en-US" smtClean="0"/>
-              <a:t>2020/6/20</a:t>
+              <a:t>2020/6/25</a:t>
             </a:fld>
             <a:endParaRPr kumimoji="1" lang="ja-JP" altLang="en-US"/>
           </a:p>
@@ -2799,7 +2814,7 @@
           <a:p>
             <a:fld id="{651F9EEE-66B7-4A9E-A8FF-6204E299CD0D}" type="datetimeFigureOut">
               <a:rPr kumimoji="1" lang="ja-JP" altLang="en-US" smtClean="0"/>
-              <a:t>2020/6/20</a:t>
+              <a:t>2020/6/25</a:t>
             </a:fld>
             <a:endParaRPr kumimoji="1" lang="ja-JP" altLang="en-US"/>
           </a:p>
@@ -3142,7 +3157,7 @@
           <a:p>
             <a:fld id="{651F9EEE-66B7-4A9E-A8FF-6204E299CD0D}" type="datetimeFigureOut">
               <a:rPr kumimoji="1" lang="ja-JP" altLang="en-US" smtClean="0"/>
-              <a:t>2020/6/20</a:t>
+              <a:t>2020/6/25</a:t>
             </a:fld>
             <a:endParaRPr kumimoji="1" lang="ja-JP" altLang="en-US"/>
           </a:p>
@@ -3430,7 +3445,7 @@
           <a:p>
             <a:fld id="{651F9EEE-66B7-4A9E-A8FF-6204E299CD0D}" type="datetimeFigureOut">
               <a:rPr kumimoji="1" lang="ja-JP" altLang="en-US" smtClean="0"/>
-              <a:t>2020/6/20</a:t>
+              <a:t>2020/6/25</a:t>
             </a:fld>
             <a:endParaRPr kumimoji="1" lang="ja-JP" altLang="en-US"/>
           </a:p>
@@ -3703,7 +3718,7 @@
           <a:p>
             <a:fld id="{651F9EEE-66B7-4A9E-A8FF-6204E299CD0D}" type="datetimeFigureOut">
               <a:rPr kumimoji="1" lang="ja-JP" altLang="en-US" smtClean="0"/>
-              <a:t>2020/6/20</a:t>
+              <a:t>2020/6/25</a:t>
             </a:fld>
             <a:endParaRPr kumimoji="1" lang="ja-JP" altLang="en-US"/>
           </a:p>
@@ -9482,7 +9497,9 @@
             <a:srgbClr val="2B8DF9"/>
           </a:solidFill>
           <a:ln>
-            <a:noFill/>
+            <a:solidFill>
+              <a:srgbClr val="2B8DF9"/>
+            </a:solidFill>
           </a:ln>
         </p:spPr>
         <p:style>

--- a/タカラーンの基地 新UI.pptx
+++ b/タカラーンの基地 新UI.pptx
@@ -133,21 +133,84 @@
 </p:cmAuthorLst>
 </file>
 
+<file path=ppt/revisionInfo.xml><?xml version="1.0" encoding="utf-8"?>
+<p1510:revInfo xmlns:a="http://schemas.openxmlformats.org/drawingml/2006/main" xmlns:r="http://schemas.openxmlformats.org/officeDocument/2006/relationships" xmlns:p1510="http://schemas.microsoft.com/office/powerpoint/2015/10/main">
+  <p1510:revLst>
+    <p1510:client id="{0D590E9E-C65D-4E00-AD6E-AD6BB7C4318A}" v="77" dt="2020-07-03T13:38:53.772"/>
+  </p1510:revLst>
+</p1510:revInfo>
+</file>
+
 <file path=ppt/changesInfos/changesInfo1.xml><?xml version="1.0" encoding="utf-8"?>
 <pc:chgInfo xmlns:a="http://schemas.openxmlformats.org/drawingml/2006/main" xmlns:r="http://schemas.openxmlformats.org/officeDocument/2006/relationships" xmlns:ac="http://schemas.microsoft.com/office/drawing/2013/main/command" xmlns:pc="http://schemas.microsoft.com/office/powerpoint/2013/main/command">
   <pc:docChgLst>
     <pc:chgData name="takara2314 TK" userId="9da753114fb91313" providerId="LiveId" clId="{0D590E9E-C65D-4E00-AD6E-AD6BB7C4318A}"/>
-    <pc:docChg chg="modSld">
-      <pc:chgData name="takara2314 TK" userId="9da753114fb91313" providerId="LiveId" clId="{0D590E9E-C65D-4E00-AD6E-AD6BB7C4318A}" dt="2020-06-25T14:20:34.866" v="8" actId="208"/>
+    <pc:docChg chg="undo modSld">
+      <pc:chgData name="takara2314 TK" userId="9da753114fb91313" providerId="LiveId" clId="{0D590E9E-C65D-4E00-AD6E-AD6BB7C4318A}" dt="2020-07-03T13:38:53.772" v="389"/>
       <pc:docMkLst>
         <pc:docMk/>
       </pc:docMkLst>
-      <pc:sldChg chg="modSp">
-        <pc:chgData name="takara2314 TK" userId="9da753114fb91313" providerId="LiveId" clId="{0D590E9E-C65D-4E00-AD6E-AD6BB7C4318A}" dt="2020-06-21T03:17:30.246" v="7" actId="1037"/>
+      <pc:sldChg chg="addSp modSp">
+        <pc:chgData name="takara2314 TK" userId="9da753114fb91313" providerId="LiveId" clId="{0D590E9E-C65D-4E00-AD6E-AD6BB7C4318A}" dt="2020-07-03T13:38:53.772" v="389"/>
+        <pc:sldMkLst>
+          <pc:docMk/>
+          <pc:sldMk cId="3110962506" sldId="259"/>
+        </pc:sldMkLst>
+        <pc:spChg chg="mod">
+          <ac:chgData name="takara2314 TK" userId="9da753114fb91313" providerId="LiveId" clId="{0D590E9E-C65D-4E00-AD6E-AD6BB7C4318A}" dt="2020-07-03T13:38:41.523" v="357" actId="1076"/>
+          <ac:spMkLst>
+            <pc:docMk/>
+            <pc:sldMk cId="3110962506" sldId="259"/>
+            <ac:spMk id="15" creationId="{4B796AC1-6D18-4BFE-84A4-7F408D6A9B87}"/>
+          </ac:spMkLst>
+        </pc:spChg>
+        <pc:spChg chg="add mod">
+          <ac:chgData name="takara2314 TK" userId="9da753114fb91313" providerId="LiveId" clId="{0D590E9E-C65D-4E00-AD6E-AD6BB7C4318A}" dt="2020-07-03T13:38:07.671" v="297" actId="1076"/>
+          <ac:spMkLst>
+            <pc:docMk/>
+            <pc:sldMk cId="3110962506" sldId="259"/>
+            <ac:spMk id="31" creationId="{BB733757-0E73-4099-BBC1-5A2AF35FD3D1}"/>
+          </ac:spMkLst>
+        </pc:spChg>
+        <pc:spChg chg="add mod">
+          <ac:chgData name="takara2314 TK" userId="9da753114fb91313" providerId="LiveId" clId="{0D590E9E-C65D-4E00-AD6E-AD6BB7C4318A}" dt="2020-07-03T13:38:53.772" v="389"/>
+          <ac:spMkLst>
+            <pc:docMk/>
+            <pc:sldMk cId="3110962506" sldId="259"/>
+            <ac:spMk id="32" creationId="{91CDE5AB-E0C6-42D1-89E7-1BDCCFFE745B}"/>
+          </ac:spMkLst>
+        </pc:spChg>
+      </pc:sldChg>
+      <pc:sldChg chg="addSp delSp modSp">
+        <pc:chgData name="takara2314 TK" userId="9da753114fb91313" providerId="LiveId" clId="{0D590E9E-C65D-4E00-AD6E-AD6BB7C4318A}" dt="2020-07-03T13:37:44.552" v="254" actId="1076"/>
         <pc:sldMkLst>
           <pc:docMk/>
           <pc:sldMk cId="2676453489" sldId="260"/>
         </pc:sldMkLst>
+        <pc:spChg chg="mod">
+          <ac:chgData name="takara2314 TK" userId="9da753114fb91313" providerId="LiveId" clId="{0D590E9E-C65D-4E00-AD6E-AD6BB7C4318A}" dt="2020-07-03T13:37:41.974" v="253" actId="1076"/>
+          <ac:spMkLst>
+            <pc:docMk/>
+            <pc:sldMk cId="2676453489" sldId="260"/>
+            <ac:spMk id="13" creationId="{BD5B42E4-52FC-4468-B9AD-9FF69D54E096}"/>
+          </ac:spMkLst>
+        </pc:spChg>
+        <pc:spChg chg="add del">
+          <ac:chgData name="takara2314 TK" userId="9da753114fb91313" providerId="LiveId" clId="{0D590E9E-C65D-4E00-AD6E-AD6BB7C4318A}" dt="2020-07-03T13:37:23.610" v="212"/>
+          <ac:spMkLst>
+            <pc:docMk/>
+            <pc:sldMk cId="2676453489" sldId="260"/>
+            <ac:spMk id="22" creationId="{A2B051AB-BCCC-4396-AB1F-4C3DED6E0E9A}"/>
+          </ac:spMkLst>
+        </pc:spChg>
+        <pc:spChg chg="add mod">
+          <ac:chgData name="takara2314 TK" userId="9da753114fb91313" providerId="LiveId" clId="{0D590E9E-C65D-4E00-AD6E-AD6BB7C4318A}" dt="2020-07-03T13:37:44.552" v="254" actId="1076"/>
+          <ac:spMkLst>
+            <pc:docMk/>
+            <pc:sldMk cId="2676453489" sldId="260"/>
+            <ac:spMk id="23" creationId="{1B5BC885-AA94-44FB-B31C-19BF4EEA4C72}"/>
+          </ac:spMkLst>
+        </pc:spChg>
         <pc:picChg chg="mod">
           <ac:chgData name="takara2314 TK" userId="9da753114fb91313" providerId="LiveId" clId="{0D590E9E-C65D-4E00-AD6E-AD6BB7C4318A}" dt="2020-06-21T03:17:30.246" v="7" actId="1037"/>
           <ac:picMkLst>
@@ -157,18 +220,42 @@
           </ac:picMkLst>
         </pc:picChg>
       </pc:sldChg>
-      <pc:sldChg chg="modSp">
-        <pc:chgData name="takara2314 TK" userId="9da753114fb91313" providerId="LiveId" clId="{0D590E9E-C65D-4E00-AD6E-AD6BB7C4318A}" dt="2020-06-25T14:20:34.866" v="8" actId="208"/>
+      <pc:sldChg chg="addSp modSp">
+        <pc:chgData name="takara2314 TK" userId="9da753114fb91313" providerId="LiveId" clId="{0D590E9E-C65D-4E00-AD6E-AD6BB7C4318A}" dt="2020-07-03T13:37:02.159" v="210" actId="1076"/>
         <pc:sldMkLst>
           <pc:docMk/>
           <pc:sldMk cId="3896390280" sldId="261"/>
         </pc:sldMkLst>
+        <pc:spChg chg="add mod">
+          <ac:chgData name="takara2314 TK" userId="9da753114fb91313" providerId="LiveId" clId="{0D590E9E-C65D-4E00-AD6E-AD6BB7C4318A}" dt="2020-07-03T13:35:35.404" v="24" actId="1076"/>
+          <ac:spMkLst>
+            <pc:docMk/>
+            <pc:sldMk cId="3896390280" sldId="261"/>
+            <ac:spMk id="4" creationId="{3B9D7A78-3E94-4FA5-AC1C-449F3FA56CC8}"/>
+          </ac:spMkLst>
+        </pc:spChg>
+        <pc:spChg chg="add mod">
+          <ac:chgData name="takara2314 TK" userId="9da753114fb91313" providerId="LiveId" clId="{0D590E9E-C65D-4E00-AD6E-AD6BB7C4318A}" dt="2020-07-03T13:37:02.159" v="210" actId="1076"/>
+          <ac:spMkLst>
+            <pc:docMk/>
+            <pc:sldMk cId="3896390280" sldId="261"/>
+            <ac:spMk id="5" creationId="{56FC7AA2-2138-4C0D-BF07-66E341030E05}"/>
+          </ac:spMkLst>
+        </pc:spChg>
         <pc:spChg chg="mod">
           <ac:chgData name="takara2314 TK" userId="9da753114fb91313" providerId="LiveId" clId="{0D590E9E-C65D-4E00-AD6E-AD6BB7C4318A}" dt="2020-06-25T14:20:34.866" v="8" actId="208"/>
           <ac:spMkLst>
             <pc:docMk/>
             <pc:sldMk cId="3896390280" sldId="261"/>
             <ac:spMk id="9" creationId="{05A3C300-86CA-4E40-9F97-058B51978EC2}"/>
+          </ac:spMkLst>
+        </pc:spChg>
+        <pc:spChg chg="mod">
+          <ac:chgData name="takara2314 TK" userId="9da753114fb91313" providerId="LiveId" clId="{0D590E9E-C65D-4E00-AD6E-AD6BB7C4318A}" dt="2020-07-03T13:36:59.009" v="209" actId="1076"/>
+          <ac:spMkLst>
+            <pc:docMk/>
+            <pc:sldMk cId="3896390280" sldId="261"/>
+            <ac:spMk id="13" creationId="{BD5B42E4-52FC-4468-B9AD-9FF69D54E096}"/>
           </ac:spMkLst>
         </pc:spChg>
       </pc:sldChg>
@@ -334,7 +421,7 @@
           <a:p>
             <a:fld id="{FBB64CF6-9BBC-4D17-BD62-270488F87366}" type="datetimeFigureOut">
               <a:rPr kumimoji="1" lang="ja-JP" altLang="en-US" smtClean="0"/>
-              <a:t>2020/6/25</a:t>
+              <a:t>2020/7/3</a:t>
             </a:fld>
             <a:endParaRPr kumimoji="1" lang="ja-JP" altLang="en-US"/>
           </a:p>
@@ -780,7 +867,7 @@
           <a:p>
             <a:fld id="{651F9EEE-66B7-4A9E-A8FF-6204E299CD0D}" type="datetimeFigureOut">
               <a:rPr kumimoji="1" lang="ja-JP" altLang="en-US" smtClean="0"/>
-              <a:t>2020/6/25</a:t>
+              <a:t>2020/7/3</a:t>
             </a:fld>
             <a:endParaRPr kumimoji="1" lang="ja-JP" altLang="en-US"/>
           </a:p>
@@ -1010,7 +1097,7 @@
           <a:p>
             <a:fld id="{651F9EEE-66B7-4A9E-A8FF-6204E299CD0D}" type="datetimeFigureOut">
               <a:rPr kumimoji="1" lang="ja-JP" altLang="en-US" smtClean="0"/>
-              <a:t>2020/6/25</a:t>
+              <a:t>2020/7/3</a:t>
             </a:fld>
             <a:endParaRPr kumimoji="1" lang="ja-JP" altLang="en-US"/>
           </a:p>
@@ -1250,7 +1337,7 @@
           <a:p>
             <a:fld id="{651F9EEE-66B7-4A9E-A8FF-6204E299CD0D}" type="datetimeFigureOut">
               <a:rPr kumimoji="1" lang="ja-JP" altLang="en-US" smtClean="0"/>
-              <a:t>2020/6/25</a:t>
+              <a:t>2020/7/3</a:t>
             </a:fld>
             <a:endParaRPr kumimoji="1" lang="ja-JP" altLang="en-US"/>
           </a:p>
@@ -1480,7 +1567,7 @@
           <a:p>
             <a:fld id="{651F9EEE-66B7-4A9E-A8FF-6204E299CD0D}" type="datetimeFigureOut">
               <a:rPr kumimoji="1" lang="ja-JP" altLang="en-US" smtClean="0"/>
-              <a:t>2020/6/25</a:t>
+              <a:t>2020/7/3</a:t>
             </a:fld>
             <a:endParaRPr kumimoji="1" lang="ja-JP" altLang="en-US"/>
           </a:p>
@@ -1755,7 +1842,7 @@
           <a:p>
             <a:fld id="{651F9EEE-66B7-4A9E-A8FF-6204E299CD0D}" type="datetimeFigureOut">
               <a:rPr kumimoji="1" lang="ja-JP" altLang="en-US" smtClean="0"/>
-              <a:t>2020/6/25</a:t>
+              <a:t>2020/7/3</a:t>
             </a:fld>
             <a:endParaRPr kumimoji="1" lang="ja-JP" altLang="en-US"/>
           </a:p>
@@ -2084,7 +2171,7 @@
           <a:p>
             <a:fld id="{651F9EEE-66B7-4A9E-A8FF-6204E299CD0D}" type="datetimeFigureOut">
               <a:rPr kumimoji="1" lang="ja-JP" altLang="en-US" smtClean="0"/>
-              <a:t>2020/6/25</a:t>
+              <a:t>2020/7/3</a:t>
             </a:fld>
             <a:endParaRPr kumimoji="1" lang="ja-JP" altLang="en-US"/>
           </a:p>
@@ -2560,7 +2647,7 @@
           <a:p>
             <a:fld id="{651F9EEE-66B7-4A9E-A8FF-6204E299CD0D}" type="datetimeFigureOut">
               <a:rPr kumimoji="1" lang="ja-JP" altLang="en-US" smtClean="0"/>
-              <a:t>2020/6/25</a:t>
+              <a:t>2020/7/3</a:t>
             </a:fld>
             <a:endParaRPr kumimoji="1" lang="ja-JP" altLang="en-US"/>
           </a:p>
@@ -2701,7 +2788,7 @@
           <a:p>
             <a:fld id="{651F9EEE-66B7-4A9E-A8FF-6204E299CD0D}" type="datetimeFigureOut">
               <a:rPr kumimoji="1" lang="ja-JP" altLang="en-US" smtClean="0"/>
-              <a:t>2020/6/25</a:t>
+              <a:t>2020/7/3</a:t>
             </a:fld>
             <a:endParaRPr kumimoji="1" lang="ja-JP" altLang="en-US"/>
           </a:p>
@@ -2814,7 +2901,7 @@
           <a:p>
             <a:fld id="{651F9EEE-66B7-4A9E-A8FF-6204E299CD0D}" type="datetimeFigureOut">
               <a:rPr kumimoji="1" lang="ja-JP" altLang="en-US" smtClean="0"/>
-              <a:t>2020/6/25</a:t>
+              <a:t>2020/7/3</a:t>
             </a:fld>
             <a:endParaRPr kumimoji="1" lang="ja-JP" altLang="en-US"/>
           </a:p>
@@ -3157,7 +3244,7 @@
           <a:p>
             <a:fld id="{651F9EEE-66B7-4A9E-A8FF-6204E299CD0D}" type="datetimeFigureOut">
               <a:rPr kumimoji="1" lang="ja-JP" altLang="en-US" smtClean="0"/>
-              <a:t>2020/6/25</a:t>
+              <a:t>2020/7/3</a:t>
             </a:fld>
             <a:endParaRPr kumimoji="1" lang="ja-JP" altLang="en-US"/>
           </a:p>
@@ -3445,7 +3532,7 @@
           <a:p>
             <a:fld id="{651F9EEE-66B7-4A9E-A8FF-6204E299CD0D}" type="datetimeFigureOut">
               <a:rPr kumimoji="1" lang="ja-JP" altLang="en-US" smtClean="0"/>
-              <a:t>2020/6/25</a:t>
+              <a:t>2020/7/3</a:t>
             </a:fld>
             <a:endParaRPr kumimoji="1" lang="ja-JP" altLang="en-US"/>
           </a:p>
@@ -3718,7 +3805,7 @@
           <a:p>
             <a:fld id="{651F9EEE-66B7-4A9E-A8FF-6204E299CD0D}" type="datetimeFigureOut">
               <a:rPr kumimoji="1" lang="ja-JP" altLang="en-US" smtClean="0"/>
-              <a:t>2020/6/25</a:t>
+              <a:t>2020/7/3</a:t>
             </a:fld>
             <a:endParaRPr kumimoji="1" lang="ja-JP" altLang="en-US"/>
           </a:p>
@@ -7995,6 +8082,126 @@
           </a:prstGeom>
         </p:spPr>
       </p:pic>
+      <p:sp>
+        <p:nvSpPr>
+          <p:cNvPr id="31" name="テキスト ボックス 30">
+            <a:extLst>
+              <a:ext uri="{FF2B5EF4-FFF2-40B4-BE49-F238E27FC236}">
+                <a16:creationId xmlns:a16="http://schemas.microsoft.com/office/drawing/2014/main" id="{BB733757-0E73-4099-BBC1-5A2AF35FD3D1}"/>
+              </a:ext>
+            </a:extLst>
+          </p:cNvPr>
+          <p:cNvSpPr txBox="1"/>
+          <p:nvPr/>
+        </p:nvSpPr>
+        <p:spPr>
+          <a:xfrm>
+            <a:off x="9644322" y="4572662"/>
+            <a:ext cx="2643446" cy="400110"/>
+          </a:xfrm>
+          <a:prstGeom prst="rect">
+            <a:avLst/>
+          </a:prstGeom>
+          <a:noFill/>
+        </p:spPr>
+        <p:txBody>
+          <a:bodyPr wrap="square" rtlCol="0">
+            <a:spAutoFit/>
+          </a:bodyPr>
+          <a:lstStyle/>
+          <a:p>
+            <a:r>
+              <a:rPr kumimoji="1" lang="ja-JP" altLang="en-US" sz="2000" dirty="0">
+                <a:solidFill>
+                  <a:srgbClr val="FF0000"/>
+                </a:solidFill>
+              </a:rPr>
+              <a:t>英検の代わり</a:t>
+            </a:r>
+            <a:r>
+              <a:rPr lang="ja-JP" altLang="en-US" sz="2000" dirty="0">
+                <a:solidFill>
+                  <a:srgbClr val="FF0000"/>
+                </a:solidFill>
+              </a:rPr>
+              <a:t>に</a:t>
+            </a:r>
+            <a:r>
+              <a:rPr lang="en-US" altLang="ja-JP" sz="2000" dirty="0">
+                <a:solidFill>
+                  <a:srgbClr val="FF0000"/>
+                </a:solidFill>
+              </a:rPr>
+              <a:t>SQL</a:t>
+            </a:r>
+            <a:endParaRPr kumimoji="1" lang="ja-JP" altLang="en-US" sz="2000" dirty="0">
+              <a:solidFill>
+                <a:srgbClr val="FF0000"/>
+              </a:solidFill>
+            </a:endParaRPr>
+          </a:p>
+        </p:txBody>
+      </p:sp>
+      <p:sp>
+        <p:nvSpPr>
+          <p:cNvPr id="32" name="テキスト ボックス 31">
+            <a:extLst>
+              <a:ext uri="{FF2B5EF4-FFF2-40B4-BE49-F238E27FC236}">
+                <a16:creationId xmlns:a16="http://schemas.microsoft.com/office/drawing/2014/main" id="{91CDE5AB-E0C6-42D1-89E7-1BDCCFFE745B}"/>
+              </a:ext>
+            </a:extLst>
+          </p:cNvPr>
+          <p:cNvSpPr txBox="1"/>
+          <p:nvPr/>
+        </p:nvSpPr>
+        <p:spPr>
+          <a:xfrm>
+            <a:off x="9579921" y="4908433"/>
+            <a:ext cx="1178777" cy="1077218"/>
+          </a:xfrm>
+          <a:prstGeom prst="rect">
+            <a:avLst/>
+          </a:prstGeom>
+          <a:noFill/>
+        </p:spPr>
+        <p:txBody>
+          <a:bodyPr wrap="square" rtlCol="0">
+            <a:spAutoFit/>
+          </a:bodyPr>
+          <a:lstStyle/>
+          <a:p>
+            <a:r>
+              <a:rPr lang="ja-JP" altLang="en-US" sz="1600" dirty="0">
+                <a:solidFill>
+                  <a:srgbClr val="FF0000"/>
+                </a:solidFill>
+              </a:rPr>
+              <a:t>ちなみに僕は実用英検</a:t>
+            </a:r>
+            <a:r>
+              <a:rPr lang="en-US" altLang="ja-JP" sz="1600" dirty="0">
+                <a:solidFill>
+                  <a:srgbClr val="FF0000"/>
+                </a:solidFill>
+              </a:rPr>
+              <a:t>2</a:t>
+            </a:r>
+            <a:r>
+              <a:rPr lang="ja-JP" altLang="en-US" sz="1600" dirty="0">
+                <a:solidFill>
+                  <a:srgbClr val="FF0000"/>
+                </a:solidFill>
+              </a:rPr>
+              <a:t>級持ちです</a:t>
+            </a:r>
+            <a:endParaRPr kumimoji="1" lang="ja-JP" altLang="en-US" sz="1600" dirty="0">
+              <a:solidFill>
+                <a:srgbClr val="FF0000"/>
+              </a:solidFill>
+            </a:endParaRPr>
+          </a:p>
+        </p:txBody>
+      </p:sp>
     </p:spTree>
     <p:extLst>
       <p:ext uri="{BB962C8B-B14F-4D97-AF65-F5344CB8AC3E}">
@@ -9382,6 +9589,45 @@
           </a:prstGeom>
         </p:spPr>
       </p:pic>
+      <p:sp>
+        <p:nvSpPr>
+          <p:cNvPr id="23" name="テキスト ボックス 22">
+            <a:extLst>
+              <a:ext uri="{FF2B5EF4-FFF2-40B4-BE49-F238E27FC236}">
+                <a16:creationId xmlns:a16="http://schemas.microsoft.com/office/drawing/2014/main" id="{1B5BC885-AA94-44FB-B31C-19BF4EEA4C72}"/>
+              </a:ext>
+            </a:extLst>
+          </p:cNvPr>
+          <p:cNvSpPr txBox="1"/>
+          <p:nvPr/>
+        </p:nvSpPr>
+        <p:spPr>
+          <a:xfrm>
+            <a:off x="5492880" y="2096782"/>
+            <a:ext cx="3565964" cy="400110"/>
+          </a:xfrm>
+          <a:prstGeom prst="rect">
+            <a:avLst/>
+          </a:prstGeom>
+          <a:noFill/>
+        </p:spPr>
+        <p:txBody>
+          <a:bodyPr wrap="square" rtlCol="0">
+            <a:spAutoFit/>
+          </a:bodyPr>
+          <a:lstStyle/>
+          <a:p>
+            <a:r>
+              <a:rPr kumimoji="1" lang="ja-JP" altLang="en-US" sz="2000" dirty="0">
+                <a:solidFill>
+                  <a:srgbClr val="FF0000"/>
+                </a:solidFill>
+              </a:rPr>
+              <a:t>技術的にまっすぐにした</a:t>
+            </a:r>
+          </a:p>
+        </p:txBody>
+      </p:sp>
     </p:spTree>
     <p:extLst>
       <p:ext uri="{BB962C8B-B14F-4D97-AF65-F5344CB8AC3E}">
@@ -10331,6 +10577,114 @@
               <a:latin typeface="Noto Sans JP Medium" panose="020B0600000000000000" pitchFamily="34" charset="-128"/>
               <a:ea typeface="Noto Sans JP Medium" panose="020B0600000000000000" pitchFamily="34" charset="-128"/>
             </a:endParaRPr>
+          </a:p>
+        </p:txBody>
+      </p:sp>
+      <p:sp>
+        <p:nvSpPr>
+          <p:cNvPr id="4" name="テキスト ボックス 3">
+            <a:extLst>
+              <a:ext uri="{FF2B5EF4-FFF2-40B4-BE49-F238E27FC236}">
+                <a16:creationId xmlns:a16="http://schemas.microsoft.com/office/drawing/2014/main" id="{3B9D7A78-3E94-4FA5-AC1C-449F3FA56CC8}"/>
+              </a:ext>
+            </a:extLst>
+          </p:cNvPr>
+          <p:cNvSpPr txBox="1"/>
+          <p:nvPr/>
+        </p:nvSpPr>
+        <p:spPr>
+          <a:xfrm>
+            <a:off x="9420311" y="4069270"/>
+            <a:ext cx="2684839" cy="2062103"/>
+          </a:xfrm>
+          <a:prstGeom prst="rect">
+            <a:avLst/>
+          </a:prstGeom>
+          <a:noFill/>
+        </p:spPr>
+        <p:txBody>
+          <a:bodyPr wrap="square" rtlCol="0">
+            <a:spAutoFit/>
+          </a:bodyPr>
+          <a:lstStyle/>
+          <a:p>
+            <a:r>
+              <a:rPr kumimoji="1" lang="ja-JP" altLang="en-US" sz="12800" dirty="0">
+                <a:solidFill>
+                  <a:srgbClr val="FF0000"/>
+                </a:solidFill>
+              </a:rPr>
+              <a:t>✖</a:t>
+            </a:r>
+          </a:p>
+        </p:txBody>
+      </p:sp>
+      <p:sp>
+        <p:nvSpPr>
+          <p:cNvPr id="5" name="テキスト ボックス 4">
+            <a:extLst>
+              <a:ext uri="{FF2B5EF4-FFF2-40B4-BE49-F238E27FC236}">
+                <a16:creationId xmlns:a16="http://schemas.microsoft.com/office/drawing/2014/main" id="{56FC7AA2-2138-4C0D-BF07-66E341030E05}"/>
+              </a:ext>
+            </a:extLst>
+          </p:cNvPr>
+          <p:cNvSpPr txBox="1"/>
+          <p:nvPr/>
+        </p:nvSpPr>
+        <p:spPr>
+          <a:xfrm>
+            <a:off x="9578257" y="1534233"/>
+            <a:ext cx="2408719" cy="1938992"/>
+          </a:xfrm>
+          <a:prstGeom prst="rect">
+            <a:avLst/>
+          </a:prstGeom>
+          <a:noFill/>
+        </p:spPr>
+        <p:txBody>
+          <a:bodyPr wrap="square" rtlCol="0">
+            <a:spAutoFit/>
+          </a:bodyPr>
+          <a:lstStyle/>
+          <a:p>
+            <a:r>
+              <a:rPr kumimoji="1" lang="ja-JP" altLang="en-US" sz="2000" dirty="0">
+                <a:solidFill>
+                  <a:srgbClr val="FF0000"/>
+                </a:solidFill>
+              </a:rPr>
+              <a:t>問題を解けても見知らぬ人に</a:t>
+            </a:r>
+            <a:endParaRPr kumimoji="1" lang="en-US" altLang="ja-JP" sz="2000" dirty="0">
+              <a:solidFill>
+                <a:srgbClr val="FF0000"/>
+              </a:solidFill>
+            </a:endParaRPr>
+          </a:p>
+          <a:p>
+            <a:r>
+              <a:rPr kumimoji="1" lang="ja-JP" altLang="en-US" sz="2000" dirty="0">
+                <a:solidFill>
+                  <a:srgbClr val="FF0000"/>
+                </a:solidFill>
+              </a:rPr>
+              <a:t>性的嗜好を教えると後々めんどい</a:t>
+            </a:r>
+            <a:endParaRPr kumimoji="1" lang="en-US" altLang="ja-JP" sz="2000" dirty="0">
+              <a:solidFill>
+                <a:srgbClr val="FF0000"/>
+              </a:solidFill>
+            </a:endParaRPr>
+          </a:p>
+          <a:p>
+            <a:r>
+              <a:rPr kumimoji="1" lang="ja-JP" altLang="en-US" sz="2000" dirty="0">
+                <a:solidFill>
+                  <a:srgbClr val="FF0000"/>
+                </a:solidFill>
+              </a:rPr>
+              <a:t>ことになるので削除</a:t>
+            </a:r>
           </a:p>
         </p:txBody>
       </p:sp>
